--- a/Arduino/arduino.pptx
+++ b/Arduino/arduino.pptx
@@ -5,25 +5,27 @@
     <p:sldMasterId id="2147483648" r:id="rId1"/>
   </p:sldMasterIdLst>
   <p:sldIdLst>
-    <p:sldId id="415" r:id="rId2"/>
-    <p:sldId id="408" r:id="rId3"/>
-    <p:sldId id="409" r:id="rId4"/>
-    <p:sldId id="410" r:id="rId5"/>
-    <p:sldId id="411" r:id="rId6"/>
-    <p:sldId id="413" r:id="rId7"/>
-    <p:sldId id="414" r:id="rId8"/>
-    <p:sldId id="374" r:id="rId9"/>
-    <p:sldId id="375" r:id="rId10"/>
-    <p:sldId id="376" r:id="rId11"/>
-    <p:sldId id="377" r:id="rId12"/>
-    <p:sldId id="378" r:id="rId13"/>
-    <p:sldId id="379" r:id="rId14"/>
-    <p:sldId id="416" r:id="rId15"/>
-    <p:sldId id="417" r:id="rId16"/>
-    <p:sldId id="421" r:id="rId17"/>
-    <p:sldId id="418" r:id="rId18"/>
-    <p:sldId id="419" r:id="rId19"/>
-    <p:sldId id="420" r:id="rId20"/>
+    <p:sldId id="422" r:id="rId2"/>
+    <p:sldId id="424" r:id="rId3"/>
+    <p:sldId id="415" r:id="rId4"/>
+    <p:sldId id="408" r:id="rId5"/>
+    <p:sldId id="409" r:id="rId6"/>
+    <p:sldId id="410" r:id="rId7"/>
+    <p:sldId id="411" r:id="rId8"/>
+    <p:sldId id="413" r:id="rId9"/>
+    <p:sldId id="414" r:id="rId10"/>
+    <p:sldId id="374" r:id="rId11"/>
+    <p:sldId id="375" r:id="rId12"/>
+    <p:sldId id="376" r:id="rId13"/>
+    <p:sldId id="377" r:id="rId14"/>
+    <p:sldId id="378" r:id="rId15"/>
+    <p:sldId id="379" r:id="rId16"/>
+    <p:sldId id="416" r:id="rId17"/>
+    <p:sldId id="417" r:id="rId18"/>
+    <p:sldId id="421" r:id="rId19"/>
+    <p:sldId id="418" r:id="rId20"/>
+    <p:sldId id="419" r:id="rId21"/>
+    <p:sldId id="420" r:id="rId22"/>
   </p:sldIdLst>
   <p:sldSz cx="12192000" cy="6858000"/>
   <p:notesSz cx="6858000" cy="9144000"/>
@@ -3396,34 +3398,14 @@
               </a:tabLst>
             </a:pPr>
             <a:r>
-              <a:rPr lang="zh-CN" altLang="en-US" sz="4000" b="1" spc="-5" dirty="0">
-                <a:solidFill>
-                  <a:srgbClr val="161616"/>
-                </a:solidFill>
-                <a:latin typeface="微軟正黑體" panose="020B0604030504040204" pitchFamily="34" charset="-120"/>
-                <a:ea typeface="微軟正黑體" panose="020B0604030504040204" pitchFamily="34" charset="-120"/>
-              </a:rPr>
-              <a:t>七段</a:t>
-            </a:r>
-            <a:r>
-              <a:rPr lang="zh-CN" altLang="en-US" sz="4000" b="1" dirty="0">
-                <a:solidFill>
-                  <a:srgbClr val="161616"/>
-                </a:solidFill>
-                <a:latin typeface="微軟正黑體" panose="020B0604030504040204" pitchFamily="34" charset="-120"/>
-                <a:ea typeface="微軟正黑體" panose="020B0604030504040204" pitchFamily="34" charset="-120"/>
-              </a:rPr>
-              <a:t>數字</a:t>
-            </a:r>
-            <a:r>
-              <a:rPr lang="zh-TW" altLang="en-US" sz="4000" b="1" dirty="0">
-                <a:solidFill>
-                  <a:srgbClr val="161616"/>
-                </a:solidFill>
-                <a:latin typeface="微軟正黑體" panose="020B0604030504040204" pitchFamily="34" charset="-120"/>
-                <a:ea typeface="微軟正黑體" panose="020B0604030504040204" pitchFamily="34" charset="-120"/>
-              </a:rPr>
-              <a:t>顯示器</a:t>
+              <a:rPr lang="en-US" altLang="zh-TW" sz="4000" b="1" spc="-5" dirty="0">
+                <a:solidFill>
+                  <a:srgbClr val="161616"/>
+                </a:solidFill>
+                <a:latin typeface="微軟正黑體" panose="020B0604030504040204" pitchFamily="34" charset="-120"/>
+                <a:ea typeface="微軟正黑體" panose="020B0604030504040204" pitchFamily="34" charset="-120"/>
+              </a:rPr>
+              <a:t>Arduino</a:t>
             </a:r>
             <a:endParaRPr lang="en-US" altLang="zh-CN" sz="4000" spc="34" dirty="0">
               <a:solidFill>
@@ -3437,55 +3419,38 @@
       </p:sp>
       <p:pic>
         <p:nvPicPr>
-          <p:cNvPr id="4" name="Picture 2" descr="image">
+          <p:cNvPr id="3" name="圖片 2">
             <a:extLst>
               <a:ext uri="{FF2B5EF4-FFF2-40B4-BE49-F238E27FC236}">
-                <a16:creationId xmlns:a16="http://schemas.microsoft.com/office/drawing/2014/main" id="{DEBE9D13-FBD9-4DA2-9DC2-19283D3FEF42}"/>
+                <a16:creationId xmlns:a16="http://schemas.microsoft.com/office/drawing/2014/main" id="{7D267EED-6CE1-4F5D-929D-986F1BD3D3F4}"/>
               </a:ext>
             </a:extLst>
           </p:cNvPr>
           <p:cNvPicPr>
-            <a:picLocks noChangeAspect="1" noChangeArrowheads="1"/>
+            <a:picLocks noChangeAspect="1"/>
           </p:cNvPicPr>
           <p:nvPr/>
         </p:nvPicPr>
         <p:blipFill>
-          <a:blip r:embed="rId3">
-            <a:extLst>
-              <a:ext uri="{28A0092B-C50C-407E-A947-70E740481C1C}">
-                <a14:useLocalDpi xmlns:a14="http://schemas.microsoft.com/office/drawing/2010/main" val="0"/>
-              </a:ext>
-            </a:extLst>
-          </a:blip>
-          <a:srcRect/>
+          <a:blip r:embed="rId3"/>
           <a:stretch>
             <a:fillRect/>
           </a:stretch>
         </p:blipFill>
-        <p:spPr bwMode="auto">
+        <p:spPr>
           <a:xfrm>
-            <a:off x="6446954" y="3429000"/>
-            <a:ext cx="3140175" cy="2564476"/>
+            <a:off x="4892241" y="2503695"/>
+            <a:ext cx="4886325" cy="3609975"/>
           </a:xfrm>
           <a:prstGeom prst="rect">
             <a:avLst/>
           </a:prstGeom>
-          <a:noFill/>
-          <a:extLst>
-            <a:ext uri="{909E8E84-426E-40DD-AFC4-6F175D3DCCD1}">
-              <a14:hiddenFill xmlns:a14="http://schemas.microsoft.com/office/drawing/2010/main">
-                <a:solidFill>
-                  <a:srgbClr val="FFFFFF"/>
-                </a:solidFill>
-              </a14:hiddenFill>
-            </a:ext>
-          </a:extLst>
         </p:spPr>
       </p:pic>
     </p:spTree>
     <p:extLst>
       <p:ext uri="{BB962C8B-B14F-4D97-AF65-F5344CB8AC3E}">
-        <p14:creationId xmlns:p14="http://schemas.microsoft.com/office/powerpoint/2010/main" val="2561777740"/>
+        <p14:creationId xmlns:p14="http://schemas.microsoft.com/office/powerpoint/2010/main" val="3005204952"/>
       </p:ext>
     </p:extLst>
   </p:cSld>
@@ -3496,6 +3461,209 @@
 </file>
 
 <file path=ppt/slides/slide10.xml><?xml version="1.0" encoding="utf-8"?>
+<p:sld xmlns:a="http://schemas.openxmlformats.org/drawingml/2006/main" xmlns:r="http://schemas.openxmlformats.org/officeDocument/2006/relationships" xmlns:p="http://schemas.openxmlformats.org/presentationml/2006/main">
+  <p:cSld>
+    <p:spTree>
+      <p:nvGrpSpPr>
+        <p:cNvPr id="1" name=""/>
+        <p:cNvGrpSpPr/>
+        <p:nvPr/>
+      </p:nvGrpSpPr>
+      <p:grpSpPr>
+        <a:xfrm>
+          <a:off x="0" y="0"/>
+          <a:ext cx="0" cy="0"/>
+          <a:chOff x="0" y="0"/>
+          <a:chExt cx="0" cy="0"/>
+        </a:xfrm>
+      </p:grpSpPr>
+      <p:pic>
+        <p:nvPicPr>
+          <p:cNvPr id="307" name="Picture 307"/>
+          <p:cNvPicPr>
+            <a:picLocks noChangeAspect="1"/>
+          </p:cNvPicPr>
+          <p:nvPr/>
+        </p:nvPicPr>
+        <p:blipFill>
+          <a:blip r:embed="rId2"/>
+          <a:stretch>
+            <a:fillRect/>
+          </a:stretch>
+        </p:blipFill>
+        <p:spPr>
+          <a:xfrm>
+            <a:off x="1524000" y="0"/>
+            <a:ext cx="9144000" cy="6858000"/>
+          </a:xfrm>
+          <a:prstGeom prst="rect">
+            <a:avLst/>
+          </a:prstGeom>
+        </p:spPr>
+      </p:pic>
+      <p:sp>
+        <p:nvSpPr>
+          <p:cNvPr id="2" name="TextBox 307"/>
+          <p:cNvSpPr txBox="1"/>
+          <p:nvPr/>
+        </p:nvSpPr>
+        <p:spPr>
+          <a:xfrm>
+            <a:off x="2471624" y="3693130"/>
+            <a:ext cx="3530165" cy="615553"/>
+          </a:xfrm>
+          <a:prstGeom prst="rect">
+            <a:avLst/>
+          </a:prstGeom>
+          <a:noFill/>
+        </p:spPr>
+        <p:txBody>
+          <a:bodyPr wrap="square" lIns="0" tIns="0" rIns="0" bIns="0" rtlCol="0">
+            <a:spAutoFit/>
+          </a:bodyPr>
+          <a:lstStyle/>
+          <a:p>
+            <a:pPr>
+              <a:tabLst>
+                <a:tab pos="878866" algn="l"/>
+              </a:tabLst>
+            </a:pPr>
+            <a:r>
+              <a:rPr lang="en-US" altLang="zh-CN" sz="4000" b="1" spc="-320" dirty="0">
+                <a:solidFill>
+                  <a:srgbClr val="161616"/>
+                </a:solidFill>
+                <a:latin typeface="微軟正黑體" panose="020B0604030504040204" pitchFamily="34" charset="-120"/>
+                <a:ea typeface="微軟正黑體" panose="020B0604030504040204" pitchFamily="34" charset="-120"/>
+              </a:rPr>
+              <a:t>IC	</a:t>
+            </a:r>
+            <a:r>
+              <a:rPr lang="en-US" altLang="zh-CN" sz="4000" b="1" spc="34" dirty="0">
+                <a:solidFill>
+                  <a:srgbClr val="161616"/>
+                </a:solidFill>
+                <a:latin typeface="微軟正黑體" panose="020B0604030504040204" pitchFamily="34" charset="-120"/>
+                <a:ea typeface="微軟正黑體" panose="020B0604030504040204" pitchFamily="34" charset="-120"/>
+              </a:rPr>
+              <a:t>74HC595</a:t>
+            </a:r>
+          </a:p>
+        </p:txBody>
+      </p:sp>
+    </p:spTree>
+  </p:cSld>
+  <p:clrMapOvr>
+    <a:masterClrMapping/>
+  </p:clrMapOvr>
+</p:sld>
+</file>
+
+<file path=ppt/slides/slide11.xml><?xml version="1.0" encoding="utf-8"?>
+<p:sld xmlns:a="http://schemas.openxmlformats.org/drawingml/2006/main" xmlns:r="http://schemas.openxmlformats.org/officeDocument/2006/relationships" xmlns:p="http://schemas.openxmlformats.org/presentationml/2006/main">
+  <p:cSld>
+    <p:spTree>
+      <p:nvGrpSpPr>
+        <p:cNvPr id="1" name=""/>
+        <p:cNvGrpSpPr/>
+        <p:nvPr/>
+      </p:nvGrpSpPr>
+      <p:grpSpPr>
+        <a:xfrm>
+          <a:off x="0" y="0"/>
+          <a:ext cx="0" cy="0"/>
+          <a:chOff x="0" y="0"/>
+          <a:chExt cx="0" cy="0"/>
+        </a:xfrm>
+      </p:grpSpPr>
+      <p:pic>
+        <p:nvPicPr>
+          <p:cNvPr id="309" name="Picture 309"/>
+          <p:cNvPicPr>
+            <a:picLocks noChangeAspect="1"/>
+          </p:cNvPicPr>
+          <p:nvPr/>
+        </p:nvPicPr>
+        <p:blipFill>
+          <a:blip r:embed="rId2"/>
+          <a:stretch>
+            <a:fillRect/>
+          </a:stretch>
+        </p:blipFill>
+        <p:spPr>
+          <a:xfrm>
+            <a:off x="1524000" y="0"/>
+            <a:ext cx="9144000" cy="6858000"/>
+          </a:xfrm>
+          <a:prstGeom prst="rect">
+            <a:avLst/>
+          </a:prstGeom>
+        </p:spPr>
+      </p:pic>
+      <p:sp>
+        <p:nvSpPr>
+          <p:cNvPr id="2" name="TextBox 309"/>
+          <p:cNvSpPr txBox="1"/>
+          <p:nvPr/>
+        </p:nvSpPr>
+        <p:spPr>
+          <a:xfrm>
+            <a:off x="2471623" y="1072453"/>
+            <a:ext cx="4378064" cy="615553"/>
+          </a:xfrm>
+          <a:prstGeom prst="rect">
+            <a:avLst/>
+          </a:prstGeom>
+          <a:noFill/>
+        </p:spPr>
+        <p:txBody>
+          <a:bodyPr wrap="square" lIns="0" tIns="0" rIns="0" bIns="0" rtlCol="0">
+            <a:spAutoFit/>
+          </a:bodyPr>
+          <a:lstStyle/>
+          <a:p>
+            <a:r>
+              <a:rPr lang="en-US" altLang="zh-CN" sz="4000" b="1" spc="20" dirty="0">
+                <a:solidFill>
+                  <a:srgbClr val="161616"/>
+                </a:solidFill>
+                <a:latin typeface="微軟正黑體" panose="020B0604030504040204" pitchFamily="34" charset="-120"/>
+                <a:ea typeface="微軟正黑體" panose="020B0604030504040204" pitchFamily="34" charset="-120"/>
+              </a:rPr>
+              <a:t>74HC595</a:t>
+            </a:r>
+            <a:r>
+              <a:rPr lang="zh-CN" altLang="en-US" sz="4000" b="1" spc="44" dirty="0">
+                <a:solidFill>
+                  <a:srgbClr val="161616"/>
+                </a:solidFill>
+                <a:latin typeface="微軟正黑體" panose="020B0604030504040204" pitchFamily="34" charset="-120"/>
+                <a:ea typeface="微軟正黑體" panose="020B0604030504040204" pitchFamily="34" charset="-120"/>
+              </a:rPr>
+              <a:t>腳位</a:t>
+            </a:r>
+            <a:r>
+              <a:rPr lang="zh-CN" altLang="en-US" sz="4000" b="1" spc="34" dirty="0">
+                <a:solidFill>
+                  <a:srgbClr val="161616"/>
+                </a:solidFill>
+                <a:latin typeface="微軟正黑體" panose="020B0604030504040204" pitchFamily="34" charset="-120"/>
+                <a:ea typeface="微軟正黑體" panose="020B0604030504040204" pitchFamily="34" charset="-120"/>
+              </a:rPr>
+              <a:t>介紹</a:t>
+            </a:r>
+          </a:p>
+        </p:txBody>
+      </p:sp>
+    </p:spTree>
+  </p:cSld>
+  <p:clrMapOvr>
+    <a:masterClrMapping/>
+  </p:clrMapOvr>
+</p:sld>
+</file>
+
+<file path=ppt/slides/slide12.xml><?xml version="1.0" encoding="utf-8"?>
 <p:sld xmlns:a="http://schemas.openxmlformats.org/drawingml/2006/main" xmlns:r="http://schemas.openxmlformats.org/officeDocument/2006/relationships" xmlns:p="http://schemas.openxmlformats.org/presentationml/2006/main">
   <p:cSld>
     <p:spTree>
@@ -3589,7 +3757,7 @@
 </p:sld>
 </file>
 
-<file path=ppt/slides/slide11.xml><?xml version="1.0" encoding="utf-8"?>
+<file path=ppt/slides/slide13.xml><?xml version="1.0" encoding="utf-8"?>
 <p:sld xmlns:a="http://schemas.openxmlformats.org/drawingml/2006/main" xmlns:r="http://schemas.openxmlformats.org/officeDocument/2006/relationships" xmlns:p="http://schemas.openxmlformats.org/presentationml/2006/main">
   <p:cSld>
     <p:spTree>
@@ -4009,7 +4177,7 @@
 </p:sld>
 </file>
 
-<file path=ppt/slides/slide12.xml><?xml version="1.0" encoding="utf-8"?>
+<file path=ppt/slides/slide14.xml><?xml version="1.0" encoding="utf-8"?>
 <p:sld xmlns:a="http://schemas.openxmlformats.org/drawingml/2006/main" xmlns:r="http://schemas.openxmlformats.org/officeDocument/2006/relationships" xmlns:p="http://schemas.openxmlformats.org/presentationml/2006/main">
   <p:cSld>
     <p:spTree>
@@ -4058,7 +4226,7 @@
 </p:sld>
 </file>
 
-<file path=ppt/slides/slide13.xml><?xml version="1.0" encoding="utf-8"?>
+<file path=ppt/slides/slide15.xml><?xml version="1.0" encoding="utf-8"?>
 <p:sld xmlns:a="http://schemas.openxmlformats.org/drawingml/2006/main" xmlns:r="http://schemas.openxmlformats.org/officeDocument/2006/relationships" xmlns:p="http://schemas.openxmlformats.org/presentationml/2006/main">
   <p:cSld>
     <p:spTree>
@@ -5046,7 +5214,7 @@
 </p:sld>
 </file>
 
-<file path=ppt/slides/slide14.xml><?xml version="1.0" encoding="utf-8"?>
+<file path=ppt/slides/slide16.xml><?xml version="1.0" encoding="utf-8"?>
 <p:sld xmlns:a="http://schemas.openxmlformats.org/drawingml/2006/main" xmlns:r="http://schemas.openxmlformats.org/officeDocument/2006/relationships" xmlns:p="http://schemas.openxmlformats.org/presentationml/2006/main">
   <p:cSld>
     <p:spTree>
@@ -5865,7 +6033,7 @@
 </p:sld>
 </file>
 
-<file path=ppt/slides/slide15.xml><?xml version="1.0" encoding="utf-8"?>
+<file path=ppt/slides/slide17.xml><?xml version="1.0" encoding="utf-8"?>
 <p:sld xmlns:a="http://schemas.openxmlformats.org/drawingml/2006/main" xmlns:r="http://schemas.openxmlformats.org/officeDocument/2006/relationships" xmlns:p="http://schemas.openxmlformats.org/presentationml/2006/main">
   <p:cSld>
     <p:spTree>
@@ -6318,7 +6486,7 @@
 </p:sld>
 </file>
 
-<file path=ppt/slides/slide16.xml><?xml version="1.0" encoding="utf-8"?>
+<file path=ppt/slides/slide18.xml><?xml version="1.0" encoding="utf-8"?>
 <p:sld xmlns:a="http://schemas.openxmlformats.org/drawingml/2006/main" xmlns:r="http://schemas.openxmlformats.org/officeDocument/2006/relationships" xmlns:p="http://schemas.openxmlformats.org/presentationml/2006/main">
   <p:cSld>
     <p:spTree>
@@ -6402,7 +6570,7 @@
 </p:sld>
 </file>
 
-<file path=ppt/slides/slide17.xml><?xml version="1.0" encoding="utf-8"?>
+<file path=ppt/slides/slide19.xml><?xml version="1.0" encoding="utf-8"?>
 <p:sld xmlns:a="http://schemas.openxmlformats.org/drawingml/2006/main" xmlns:r="http://schemas.openxmlformats.org/officeDocument/2006/relationships" xmlns:p="http://schemas.openxmlformats.org/presentationml/2006/main">
   <p:cSld>
     <p:spTree>
@@ -7161,7 +7329,156 @@
 </p:sld>
 </file>
 
-<file path=ppt/slides/slide18.xml><?xml version="1.0" encoding="utf-8"?>
+<file path=ppt/slides/slide2.xml><?xml version="1.0" encoding="utf-8"?>
+<p:sld xmlns:a="http://schemas.openxmlformats.org/drawingml/2006/main" xmlns:r="http://schemas.openxmlformats.org/officeDocument/2006/relationships" xmlns:p="http://schemas.openxmlformats.org/presentationml/2006/main">
+  <p:cSld>
+    <p:spTree>
+      <p:nvGrpSpPr>
+        <p:cNvPr id="1" name=""/>
+        <p:cNvGrpSpPr/>
+        <p:nvPr/>
+      </p:nvGrpSpPr>
+      <p:grpSpPr>
+        <a:xfrm>
+          <a:off x="0" y="0"/>
+          <a:ext cx="0" cy="0"/>
+          <a:chOff x="0" y="0"/>
+          <a:chExt cx="0" cy="0"/>
+        </a:xfrm>
+      </p:grpSpPr>
+      <p:pic>
+        <p:nvPicPr>
+          <p:cNvPr id="394" name="Picture 394"/>
+          <p:cNvPicPr>
+            <a:picLocks noChangeAspect="1"/>
+          </p:cNvPicPr>
+          <p:nvPr/>
+        </p:nvPicPr>
+        <p:blipFill>
+          <a:blip r:embed="rId2"/>
+          <a:stretch>
+            <a:fillRect/>
+          </a:stretch>
+        </p:blipFill>
+        <p:spPr>
+          <a:xfrm>
+            <a:off x="1524000" y="0"/>
+            <a:ext cx="9144000" cy="6858000"/>
+          </a:xfrm>
+          <a:prstGeom prst="rect">
+            <a:avLst/>
+          </a:prstGeom>
+        </p:spPr>
+      </p:pic>
+      <p:sp>
+        <p:nvSpPr>
+          <p:cNvPr id="2" name="TextBox 394"/>
+          <p:cNvSpPr txBox="1"/>
+          <p:nvPr/>
+        </p:nvSpPr>
+        <p:spPr>
+          <a:xfrm>
+            <a:off x="1752585" y="2770281"/>
+            <a:ext cx="8686829" cy="300210"/>
+          </a:xfrm>
+          <a:prstGeom prst="rect">
+            <a:avLst/>
+          </a:prstGeom>
+          <a:noFill/>
+        </p:spPr>
+        <p:txBody>
+          <a:bodyPr wrap="square" lIns="0" tIns="0" rIns="0" bIns="0" rtlCol="0">
+            <a:spAutoFit/>
+          </a:bodyPr>
+          <a:lstStyle/>
+          <a:p>
+            <a:pPr marL="228600" indent="-228600" hangingPunct="0">
+              <a:lnSpc>
+                <a:spcPct val="119166"/>
+              </a:lnSpc>
+            </a:pPr>
+            <a:r>
+              <a:rPr lang="en-US" altLang="zh-CN" dirty="0">
+                <a:solidFill>
+                  <a:srgbClr val="161616"/>
+                </a:solidFill>
+                <a:latin typeface="微軟正黑體" panose="020B0604030504040204" pitchFamily="34" charset="-120"/>
+                <a:ea typeface="微軟正黑體" panose="020B0604030504040204" pitchFamily="34" charset="-120"/>
+              </a:rPr>
+              <a:t>https://github.com/vincenttang1227/Arduino/raw/master/Arduino/arduino.pptx</a:t>
+            </a:r>
+            <a:endParaRPr lang="zh-CN" altLang="en-US" dirty="0">
+              <a:solidFill>
+                <a:srgbClr val="161616"/>
+              </a:solidFill>
+              <a:latin typeface="微軟正黑體" panose="020B0604030504040204" pitchFamily="34" charset="-120"/>
+              <a:ea typeface="微軟正黑體" panose="020B0604030504040204" pitchFamily="34" charset="-120"/>
+            </a:endParaRPr>
+          </a:p>
+        </p:txBody>
+      </p:sp>
+      <p:sp>
+        <p:nvSpPr>
+          <p:cNvPr id="5" name="TextBox 396">
+            <a:extLst>
+              <a:ext uri="{FF2B5EF4-FFF2-40B4-BE49-F238E27FC236}">
+                <a16:creationId xmlns:a16="http://schemas.microsoft.com/office/drawing/2014/main" id="{B83974D8-FD43-4A20-9666-8DA4F749262C}"/>
+              </a:ext>
+            </a:extLst>
+          </p:cNvPr>
+          <p:cNvSpPr txBox="1"/>
+          <p:nvPr/>
+        </p:nvSpPr>
+        <p:spPr>
+          <a:xfrm>
+            <a:off x="2471623" y="1077364"/>
+            <a:ext cx="5018144" cy="615553"/>
+          </a:xfrm>
+          <a:prstGeom prst="rect">
+            <a:avLst/>
+          </a:prstGeom>
+          <a:noFill/>
+        </p:spPr>
+        <p:txBody>
+          <a:bodyPr wrap="square" lIns="0" tIns="0" rIns="0" bIns="0" rtlCol="0">
+            <a:spAutoFit/>
+          </a:bodyPr>
+          <a:lstStyle/>
+          <a:p>
+            <a:r>
+              <a:rPr lang="zh-TW" altLang="en-US" sz="4000" b="1" spc="-5" dirty="0">
+                <a:solidFill>
+                  <a:srgbClr val="161616"/>
+                </a:solidFill>
+                <a:latin typeface="微軟正黑體" panose="020B0604030504040204" pitchFamily="34" charset="-120"/>
+                <a:ea typeface="微軟正黑體" panose="020B0604030504040204" pitchFamily="34" charset="-120"/>
+              </a:rPr>
+              <a:t>講義網址</a:t>
+            </a:r>
+            <a:endParaRPr lang="zh-CN" altLang="en-US" sz="4000" b="1" dirty="0">
+              <a:solidFill>
+                <a:srgbClr val="161616"/>
+              </a:solidFill>
+              <a:latin typeface="微軟正黑體" panose="020B0604030504040204" pitchFamily="34" charset="-120"/>
+              <a:ea typeface="微軟正黑體" panose="020B0604030504040204" pitchFamily="34" charset="-120"/>
+            </a:endParaRPr>
+          </a:p>
+        </p:txBody>
+      </p:sp>
+    </p:spTree>
+    <p:extLst>
+      <p:ext uri="{BB962C8B-B14F-4D97-AF65-F5344CB8AC3E}">
+        <p14:creationId xmlns:p14="http://schemas.microsoft.com/office/powerpoint/2010/main" val="4025592427"/>
+      </p:ext>
+    </p:extLst>
+  </p:cSld>
+  <p:clrMapOvr>
+    <a:masterClrMapping/>
+  </p:clrMapOvr>
+</p:sld>
+</file>
+
+<file path=ppt/slides/slide20.xml><?xml version="1.0" encoding="utf-8"?>
 <p:sld xmlns:a="http://schemas.openxmlformats.org/drawingml/2006/main" xmlns:r="http://schemas.openxmlformats.org/officeDocument/2006/relationships" xmlns:p="http://schemas.openxmlformats.org/presentationml/2006/main">
   <p:cSld>
     <p:spTree>
@@ -7373,7 +7690,7 @@
 </p:sld>
 </file>
 
-<file path=ppt/slides/slide19.xml><?xml version="1.0" encoding="utf-8"?>
+<file path=ppt/slides/slide21.xml><?xml version="1.0" encoding="utf-8"?>
 <p:sld xmlns:a="http://schemas.openxmlformats.org/drawingml/2006/main" xmlns:r="http://schemas.openxmlformats.org/officeDocument/2006/relationships" xmlns:p="http://schemas.openxmlformats.org/presentationml/2006/main">
   <p:cSld>
     <p:spTree>
@@ -7647,7 +7964,175 @@
 </p:sld>
 </file>
 
-<file path=ppt/slides/slide2.xml><?xml version="1.0" encoding="utf-8"?>
+<file path=ppt/slides/slide3.xml><?xml version="1.0" encoding="utf-8"?>
+<p:sld xmlns:a="http://schemas.openxmlformats.org/drawingml/2006/main" xmlns:r="http://schemas.openxmlformats.org/officeDocument/2006/relationships" xmlns:p="http://schemas.openxmlformats.org/presentationml/2006/main">
+  <p:cSld>
+    <p:spTree>
+      <p:nvGrpSpPr>
+        <p:cNvPr id="1" name=""/>
+        <p:cNvGrpSpPr/>
+        <p:nvPr/>
+      </p:nvGrpSpPr>
+      <p:grpSpPr>
+        <a:xfrm>
+          <a:off x="0" y="0"/>
+          <a:ext cx="0" cy="0"/>
+          <a:chOff x="0" y="0"/>
+          <a:chExt cx="0" cy="0"/>
+        </a:xfrm>
+      </p:grpSpPr>
+      <p:pic>
+        <p:nvPicPr>
+          <p:cNvPr id="307" name="Picture 307"/>
+          <p:cNvPicPr>
+            <a:picLocks noChangeAspect="1"/>
+          </p:cNvPicPr>
+          <p:nvPr/>
+        </p:nvPicPr>
+        <p:blipFill>
+          <a:blip r:embed="rId2"/>
+          <a:stretch>
+            <a:fillRect/>
+          </a:stretch>
+        </p:blipFill>
+        <p:spPr>
+          <a:xfrm>
+            <a:off x="1524000" y="0"/>
+            <a:ext cx="9144000" cy="6858000"/>
+          </a:xfrm>
+          <a:prstGeom prst="rect">
+            <a:avLst/>
+          </a:prstGeom>
+        </p:spPr>
+      </p:pic>
+      <p:sp>
+        <p:nvSpPr>
+          <p:cNvPr id="2" name="TextBox 307"/>
+          <p:cNvSpPr txBox="1"/>
+          <p:nvPr/>
+        </p:nvSpPr>
+        <p:spPr>
+          <a:xfrm>
+            <a:off x="2471624" y="3693130"/>
+            <a:ext cx="3796172" cy="615553"/>
+          </a:xfrm>
+          <a:prstGeom prst="rect">
+            <a:avLst/>
+          </a:prstGeom>
+          <a:noFill/>
+        </p:spPr>
+        <p:txBody>
+          <a:bodyPr wrap="square" lIns="0" tIns="0" rIns="0" bIns="0" rtlCol="0">
+            <a:spAutoFit/>
+          </a:bodyPr>
+          <a:lstStyle/>
+          <a:p>
+            <a:pPr>
+              <a:tabLst>
+                <a:tab pos="878866" algn="l"/>
+              </a:tabLst>
+            </a:pPr>
+            <a:r>
+              <a:rPr lang="zh-CN" altLang="en-US" sz="4000" b="1" spc="-5" dirty="0">
+                <a:solidFill>
+                  <a:srgbClr val="161616"/>
+                </a:solidFill>
+                <a:latin typeface="微軟正黑體" panose="020B0604030504040204" pitchFamily="34" charset="-120"/>
+                <a:ea typeface="微軟正黑體" panose="020B0604030504040204" pitchFamily="34" charset="-120"/>
+              </a:rPr>
+              <a:t>七段</a:t>
+            </a:r>
+            <a:r>
+              <a:rPr lang="zh-CN" altLang="en-US" sz="4000" b="1" dirty="0">
+                <a:solidFill>
+                  <a:srgbClr val="161616"/>
+                </a:solidFill>
+                <a:latin typeface="微軟正黑體" panose="020B0604030504040204" pitchFamily="34" charset="-120"/>
+                <a:ea typeface="微軟正黑體" panose="020B0604030504040204" pitchFamily="34" charset="-120"/>
+              </a:rPr>
+              <a:t>數字</a:t>
+            </a:r>
+            <a:r>
+              <a:rPr lang="zh-TW" altLang="en-US" sz="4000" b="1" dirty="0">
+                <a:solidFill>
+                  <a:srgbClr val="161616"/>
+                </a:solidFill>
+                <a:latin typeface="微軟正黑體" panose="020B0604030504040204" pitchFamily="34" charset="-120"/>
+                <a:ea typeface="微軟正黑體" panose="020B0604030504040204" pitchFamily="34" charset="-120"/>
+              </a:rPr>
+              <a:t>顯示器</a:t>
+            </a:r>
+            <a:endParaRPr lang="en-US" altLang="zh-CN" sz="4000" spc="34" dirty="0">
+              <a:solidFill>
+                <a:srgbClr val="161616"/>
+              </a:solidFill>
+              <a:latin typeface="微軟正黑體" panose="020B0604030504040204" pitchFamily="34" charset="-120"/>
+              <a:ea typeface="微軟正黑體" panose="020B0604030504040204" pitchFamily="34" charset="-120"/>
+            </a:endParaRPr>
+          </a:p>
+        </p:txBody>
+      </p:sp>
+      <p:pic>
+        <p:nvPicPr>
+          <p:cNvPr id="4" name="Picture 2" descr="image">
+            <a:extLst>
+              <a:ext uri="{FF2B5EF4-FFF2-40B4-BE49-F238E27FC236}">
+                <a16:creationId xmlns:a16="http://schemas.microsoft.com/office/drawing/2014/main" id="{DEBE9D13-FBD9-4DA2-9DC2-19283D3FEF42}"/>
+              </a:ext>
+            </a:extLst>
+          </p:cNvPr>
+          <p:cNvPicPr>
+            <a:picLocks noChangeAspect="1" noChangeArrowheads="1"/>
+          </p:cNvPicPr>
+          <p:nvPr/>
+        </p:nvPicPr>
+        <p:blipFill>
+          <a:blip r:embed="rId3">
+            <a:extLst>
+              <a:ext uri="{28A0092B-C50C-407E-A947-70E740481C1C}">
+                <a14:useLocalDpi xmlns:a14="http://schemas.microsoft.com/office/drawing/2010/main" val="0"/>
+              </a:ext>
+            </a:extLst>
+          </a:blip>
+          <a:srcRect/>
+          <a:stretch>
+            <a:fillRect/>
+          </a:stretch>
+        </p:blipFill>
+        <p:spPr bwMode="auto">
+          <a:xfrm>
+            <a:off x="6446954" y="3429000"/>
+            <a:ext cx="3140175" cy="2564476"/>
+          </a:xfrm>
+          <a:prstGeom prst="rect">
+            <a:avLst/>
+          </a:prstGeom>
+          <a:noFill/>
+          <a:extLst>
+            <a:ext uri="{909E8E84-426E-40DD-AFC4-6F175D3DCCD1}">
+              <a14:hiddenFill xmlns:a14="http://schemas.microsoft.com/office/drawing/2010/main">
+                <a:solidFill>
+                  <a:srgbClr val="FFFFFF"/>
+                </a:solidFill>
+              </a14:hiddenFill>
+            </a:ext>
+          </a:extLst>
+        </p:spPr>
+      </p:pic>
+    </p:spTree>
+    <p:extLst>
+      <p:ext uri="{BB962C8B-B14F-4D97-AF65-F5344CB8AC3E}">
+        <p14:creationId xmlns:p14="http://schemas.microsoft.com/office/powerpoint/2010/main" val="2561777740"/>
+      </p:ext>
+    </p:extLst>
+  </p:cSld>
+  <p:clrMapOvr>
+    <a:masterClrMapping/>
+  </p:clrMapOvr>
+</p:sld>
+</file>
+
+<file path=ppt/slides/slide4.xml><?xml version="1.0" encoding="utf-8"?>
 <p:sld xmlns:a="http://schemas.openxmlformats.org/drawingml/2006/main" xmlns:r="http://schemas.openxmlformats.org/officeDocument/2006/relationships" xmlns:p="http://schemas.openxmlformats.org/presentationml/2006/main">
   <p:cSld>
     <p:spTree>
@@ -8127,7 +8612,7 @@
 </p:sld>
 </file>
 
-<file path=ppt/slides/slide3.xml><?xml version="1.0" encoding="utf-8"?>
+<file path=ppt/slides/slide5.xml><?xml version="1.0" encoding="utf-8"?>
 <p:sld xmlns:a="http://schemas.openxmlformats.org/drawingml/2006/main" xmlns:r="http://schemas.openxmlformats.org/officeDocument/2006/relationships" xmlns:p="http://schemas.openxmlformats.org/presentationml/2006/main">
   <p:cSld>
     <p:spTree>
@@ -8470,7 +8955,7 @@
 </p:sld>
 </file>
 
-<file path=ppt/slides/slide4.xml><?xml version="1.0" encoding="utf-8"?>
+<file path=ppt/slides/slide6.xml><?xml version="1.0" encoding="utf-8"?>
 <p:sld xmlns:a="http://schemas.openxmlformats.org/drawingml/2006/main" xmlns:r="http://schemas.openxmlformats.org/officeDocument/2006/relationships" xmlns:p="http://schemas.openxmlformats.org/presentationml/2006/main">
   <p:cSld>
     <p:spTree>
@@ -8881,7 +9366,7 @@
 </p:sld>
 </file>
 
-<file path=ppt/slides/slide5.xml><?xml version="1.0" encoding="utf-8"?>
+<file path=ppt/slides/slide7.xml><?xml version="1.0" encoding="utf-8"?>
 <p:sld xmlns:a="http://schemas.openxmlformats.org/drawingml/2006/main" xmlns:r="http://schemas.openxmlformats.org/officeDocument/2006/relationships" xmlns:p="http://schemas.openxmlformats.org/presentationml/2006/main">
   <p:cSld>
     <p:spTree>
@@ -9533,7 +10018,7 @@
 </p:sld>
 </file>
 
-<file path=ppt/slides/slide6.xml><?xml version="1.0" encoding="utf-8"?>
+<file path=ppt/slides/slide8.xml><?xml version="1.0" encoding="utf-8"?>
 <p:sld xmlns:a="http://schemas.openxmlformats.org/drawingml/2006/main" xmlns:r="http://schemas.openxmlformats.org/officeDocument/2006/relationships" xmlns:p="http://schemas.openxmlformats.org/presentationml/2006/main">
   <p:cSld>
     <p:spTree>
@@ -9974,7 +10459,7 @@
 </p:sld>
 </file>
 
-<file path=ppt/slides/slide7.xml><?xml version="1.0" encoding="utf-8"?>
+<file path=ppt/slides/slide9.xml><?xml version="1.0" encoding="utf-8"?>
 <p:sld xmlns:a="http://schemas.openxmlformats.org/drawingml/2006/main" xmlns:r="http://schemas.openxmlformats.org/officeDocument/2006/relationships" xmlns:p="http://schemas.openxmlformats.org/presentationml/2006/main">
   <p:cSld>
     <p:spTree>
@@ -10468,209 +10953,6 @@
         <p14:creationId xmlns:p14="http://schemas.microsoft.com/office/powerpoint/2010/main" val="4263666247"/>
       </p:ext>
     </p:extLst>
-  </p:cSld>
-  <p:clrMapOvr>
-    <a:masterClrMapping/>
-  </p:clrMapOvr>
-</p:sld>
-</file>
-
-<file path=ppt/slides/slide8.xml><?xml version="1.0" encoding="utf-8"?>
-<p:sld xmlns:a="http://schemas.openxmlformats.org/drawingml/2006/main" xmlns:r="http://schemas.openxmlformats.org/officeDocument/2006/relationships" xmlns:p="http://schemas.openxmlformats.org/presentationml/2006/main">
-  <p:cSld>
-    <p:spTree>
-      <p:nvGrpSpPr>
-        <p:cNvPr id="1" name=""/>
-        <p:cNvGrpSpPr/>
-        <p:nvPr/>
-      </p:nvGrpSpPr>
-      <p:grpSpPr>
-        <a:xfrm>
-          <a:off x="0" y="0"/>
-          <a:ext cx="0" cy="0"/>
-          <a:chOff x="0" y="0"/>
-          <a:chExt cx="0" cy="0"/>
-        </a:xfrm>
-      </p:grpSpPr>
-      <p:pic>
-        <p:nvPicPr>
-          <p:cNvPr id="307" name="Picture 307"/>
-          <p:cNvPicPr>
-            <a:picLocks noChangeAspect="1"/>
-          </p:cNvPicPr>
-          <p:nvPr/>
-        </p:nvPicPr>
-        <p:blipFill>
-          <a:blip r:embed="rId2"/>
-          <a:stretch>
-            <a:fillRect/>
-          </a:stretch>
-        </p:blipFill>
-        <p:spPr>
-          <a:xfrm>
-            <a:off x="1524000" y="0"/>
-            <a:ext cx="9144000" cy="6858000"/>
-          </a:xfrm>
-          <a:prstGeom prst="rect">
-            <a:avLst/>
-          </a:prstGeom>
-        </p:spPr>
-      </p:pic>
-      <p:sp>
-        <p:nvSpPr>
-          <p:cNvPr id="2" name="TextBox 307"/>
-          <p:cNvSpPr txBox="1"/>
-          <p:nvPr/>
-        </p:nvSpPr>
-        <p:spPr>
-          <a:xfrm>
-            <a:off x="2471624" y="3693130"/>
-            <a:ext cx="3530165" cy="615553"/>
-          </a:xfrm>
-          <a:prstGeom prst="rect">
-            <a:avLst/>
-          </a:prstGeom>
-          <a:noFill/>
-        </p:spPr>
-        <p:txBody>
-          <a:bodyPr wrap="square" lIns="0" tIns="0" rIns="0" bIns="0" rtlCol="0">
-            <a:spAutoFit/>
-          </a:bodyPr>
-          <a:lstStyle/>
-          <a:p>
-            <a:pPr>
-              <a:tabLst>
-                <a:tab pos="878866" algn="l"/>
-              </a:tabLst>
-            </a:pPr>
-            <a:r>
-              <a:rPr lang="en-US" altLang="zh-CN" sz="4000" b="1" spc="-320" dirty="0">
-                <a:solidFill>
-                  <a:srgbClr val="161616"/>
-                </a:solidFill>
-                <a:latin typeface="微軟正黑體" panose="020B0604030504040204" pitchFamily="34" charset="-120"/>
-                <a:ea typeface="微軟正黑體" panose="020B0604030504040204" pitchFamily="34" charset="-120"/>
-              </a:rPr>
-              <a:t>IC	</a:t>
-            </a:r>
-            <a:r>
-              <a:rPr lang="en-US" altLang="zh-CN" sz="4000" b="1" spc="34" dirty="0">
-                <a:solidFill>
-                  <a:srgbClr val="161616"/>
-                </a:solidFill>
-                <a:latin typeface="微軟正黑體" panose="020B0604030504040204" pitchFamily="34" charset="-120"/>
-                <a:ea typeface="微軟正黑體" panose="020B0604030504040204" pitchFamily="34" charset="-120"/>
-              </a:rPr>
-              <a:t>74HC595</a:t>
-            </a:r>
-          </a:p>
-        </p:txBody>
-      </p:sp>
-    </p:spTree>
-  </p:cSld>
-  <p:clrMapOvr>
-    <a:masterClrMapping/>
-  </p:clrMapOvr>
-</p:sld>
-</file>
-
-<file path=ppt/slides/slide9.xml><?xml version="1.0" encoding="utf-8"?>
-<p:sld xmlns:a="http://schemas.openxmlformats.org/drawingml/2006/main" xmlns:r="http://schemas.openxmlformats.org/officeDocument/2006/relationships" xmlns:p="http://schemas.openxmlformats.org/presentationml/2006/main">
-  <p:cSld>
-    <p:spTree>
-      <p:nvGrpSpPr>
-        <p:cNvPr id="1" name=""/>
-        <p:cNvGrpSpPr/>
-        <p:nvPr/>
-      </p:nvGrpSpPr>
-      <p:grpSpPr>
-        <a:xfrm>
-          <a:off x="0" y="0"/>
-          <a:ext cx="0" cy="0"/>
-          <a:chOff x="0" y="0"/>
-          <a:chExt cx="0" cy="0"/>
-        </a:xfrm>
-      </p:grpSpPr>
-      <p:pic>
-        <p:nvPicPr>
-          <p:cNvPr id="309" name="Picture 309"/>
-          <p:cNvPicPr>
-            <a:picLocks noChangeAspect="1"/>
-          </p:cNvPicPr>
-          <p:nvPr/>
-        </p:nvPicPr>
-        <p:blipFill>
-          <a:blip r:embed="rId2"/>
-          <a:stretch>
-            <a:fillRect/>
-          </a:stretch>
-        </p:blipFill>
-        <p:spPr>
-          <a:xfrm>
-            <a:off x="1524000" y="0"/>
-            <a:ext cx="9144000" cy="6858000"/>
-          </a:xfrm>
-          <a:prstGeom prst="rect">
-            <a:avLst/>
-          </a:prstGeom>
-        </p:spPr>
-      </p:pic>
-      <p:sp>
-        <p:nvSpPr>
-          <p:cNvPr id="2" name="TextBox 309"/>
-          <p:cNvSpPr txBox="1"/>
-          <p:nvPr/>
-        </p:nvSpPr>
-        <p:spPr>
-          <a:xfrm>
-            <a:off x="2471623" y="1072453"/>
-            <a:ext cx="4378064" cy="615553"/>
-          </a:xfrm>
-          <a:prstGeom prst="rect">
-            <a:avLst/>
-          </a:prstGeom>
-          <a:noFill/>
-        </p:spPr>
-        <p:txBody>
-          <a:bodyPr wrap="square" lIns="0" tIns="0" rIns="0" bIns="0" rtlCol="0">
-            <a:spAutoFit/>
-          </a:bodyPr>
-          <a:lstStyle/>
-          <a:p>
-            <a:r>
-              <a:rPr lang="en-US" altLang="zh-CN" sz="4000" b="1" spc="20" dirty="0">
-                <a:solidFill>
-                  <a:srgbClr val="161616"/>
-                </a:solidFill>
-                <a:latin typeface="微軟正黑體" panose="020B0604030504040204" pitchFamily="34" charset="-120"/>
-                <a:ea typeface="微軟正黑體" panose="020B0604030504040204" pitchFamily="34" charset="-120"/>
-              </a:rPr>
-              <a:t>74HC595</a:t>
-            </a:r>
-            <a:r>
-              <a:rPr lang="zh-CN" altLang="en-US" sz="4000" b="1" spc="44" dirty="0">
-                <a:solidFill>
-                  <a:srgbClr val="161616"/>
-                </a:solidFill>
-                <a:latin typeface="微軟正黑體" panose="020B0604030504040204" pitchFamily="34" charset="-120"/>
-                <a:ea typeface="微軟正黑體" panose="020B0604030504040204" pitchFamily="34" charset="-120"/>
-              </a:rPr>
-              <a:t>腳位</a:t>
-            </a:r>
-            <a:r>
-              <a:rPr lang="zh-CN" altLang="en-US" sz="4000" b="1" spc="34" dirty="0">
-                <a:solidFill>
-                  <a:srgbClr val="161616"/>
-                </a:solidFill>
-                <a:latin typeface="微軟正黑體" panose="020B0604030504040204" pitchFamily="34" charset="-120"/>
-                <a:ea typeface="微軟正黑體" panose="020B0604030504040204" pitchFamily="34" charset="-120"/>
-              </a:rPr>
-              <a:t>介紹</a:t>
-            </a:r>
-          </a:p>
-        </p:txBody>
-      </p:sp>
-    </p:spTree>
   </p:cSld>
   <p:clrMapOvr>
     <a:masterClrMapping/>
